--- a/presentations/Pair Programming.pptx
+++ b/presentations/Pair Programming.pptx
@@ -5,10 +5,10 @@
     <p:sldMasterId id="2147483658" r:id="rId4"/>
   </p:sldMasterIdLst>
   <p:notesMasterIdLst>
-    <p:notesMasterId r:id="rId15"/>
+    <p:notesMasterId r:id="rId16"/>
   </p:notesMasterIdLst>
   <p:handoutMasterIdLst>
-    <p:handoutMasterId r:id="rId16"/>
+    <p:handoutMasterId r:id="rId17"/>
   </p:handoutMasterIdLst>
   <p:sldIdLst>
     <p:sldId id="350" r:id="rId5"/>
@@ -20,7 +20,8 @@
     <p:sldId id="364" r:id="rId11"/>
     <p:sldId id="365" r:id="rId12"/>
     <p:sldId id="368" r:id="rId13"/>
-    <p:sldId id="369" r:id="rId14"/>
+    <p:sldId id="370" r:id="rId14"/>
+    <p:sldId id="369" r:id="rId15"/>
   </p:sldIdLst>
   <p:sldSz cx="12192000" cy="6858000"/>
   <p:notesSz cx="6858000" cy="9144000"/>
@@ -371,7 +372,7 @@
             <a:fld id="{E1CA15AE-E040-4F31-96C6-FD066D034FFB}" type="datetime1">
               <a:rPr lang="en-GB" smtClean="0"/>
               <a:pPr/>
-              <a:t>01/02/2024</a:t>
+              <a:t>09/02/2024</a:t>
             </a:fld>
             <a:endParaRPr lang="en-GB" dirty="0"/>
           </a:p>
@@ -896,6 +897,369 @@
 </p:notes>
 </file>
 
+<file path=ppt/notesSlides/notesSlide4.xml><?xml version="1.0" encoding="utf-8"?>
+<p:notes xmlns:a="http://schemas.openxmlformats.org/drawingml/2006/main" xmlns:r="http://schemas.openxmlformats.org/officeDocument/2006/relationships" xmlns:p="http://schemas.openxmlformats.org/presentationml/2006/main">
+  <p:cSld>
+    <p:spTree>
+      <p:nvGrpSpPr>
+        <p:cNvPr id="1" name=""/>
+        <p:cNvGrpSpPr/>
+        <p:nvPr/>
+      </p:nvGrpSpPr>
+      <p:grpSpPr>
+        <a:xfrm>
+          <a:off x="0" y="0"/>
+          <a:ext cx="0" cy="0"/>
+          <a:chOff x="0" y="0"/>
+          <a:chExt cx="0" cy="0"/>
+        </a:xfrm>
+      </p:grpSpPr>
+      <p:sp>
+        <p:nvSpPr>
+          <p:cNvPr id="2" name="Slide Image Placeholder 1"/>
+          <p:cNvSpPr>
+            <a:spLocks noGrp="1" noRot="1" noChangeAspect="1"/>
+          </p:cNvSpPr>
+          <p:nvPr>
+            <p:ph type="sldImg"/>
+          </p:nvPr>
+        </p:nvSpPr>
+        <p:spPr/>
+      </p:sp>
+      <p:sp>
+        <p:nvSpPr>
+          <p:cNvPr id="3" name="Notes Placeholder 2"/>
+          <p:cNvSpPr>
+            <a:spLocks noGrp="1"/>
+          </p:cNvSpPr>
+          <p:nvPr>
+            <p:ph type="body" idx="1"/>
+          </p:nvPr>
+        </p:nvSpPr>
+        <p:spPr/>
+        <p:txBody>
+          <a:bodyPr/>
+          <a:lstStyle/>
+          <a:p>
+            <a:endParaRPr lang="en-GB" dirty="0"/>
+          </a:p>
+        </p:txBody>
+      </p:sp>
+      <p:sp>
+        <p:nvSpPr>
+          <p:cNvPr id="4" name="Slide Number Placeholder 3"/>
+          <p:cNvSpPr>
+            <a:spLocks noGrp="1"/>
+          </p:cNvSpPr>
+          <p:nvPr>
+            <p:ph type="sldNum" sz="quarter" idx="5"/>
+          </p:nvPr>
+        </p:nvSpPr>
+        <p:spPr/>
+        <p:txBody>
+          <a:bodyPr/>
+          <a:lstStyle/>
+          <a:p>
+            <a:pPr rtl="0"/>
+            <a:fld id="{A89C7E07-3C67-C64C-8DA0-0404F6303970}" type="slidenum">
+              <a:rPr lang="en-GB" noProof="0" smtClean="0"/>
+              <a:t>5</a:t>
+            </a:fld>
+            <a:endParaRPr lang="en-GB" noProof="0"/>
+          </a:p>
+        </p:txBody>
+      </p:sp>
+    </p:spTree>
+    <p:extLst>
+      <p:ext uri="{BB962C8B-B14F-4D97-AF65-F5344CB8AC3E}">
+        <p14:creationId xmlns:p14="http://schemas.microsoft.com/office/powerpoint/2010/main" val="3673461488"/>
+      </p:ext>
+    </p:extLst>
+  </p:cSld>
+  <p:clrMapOvr>
+    <a:masterClrMapping/>
+  </p:clrMapOvr>
+</p:notes>
+</file>
+
+<file path=ppt/notesSlides/notesSlide5.xml><?xml version="1.0" encoding="utf-8"?>
+<p:notes xmlns:a="http://schemas.openxmlformats.org/drawingml/2006/main" xmlns:r="http://schemas.openxmlformats.org/officeDocument/2006/relationships" xmlns:p="http://schemas.openxmlformats.org/presentationml/2006/main">
+  <p:cSld>
+    <p:spTree>
+      <p:nvGrpSpPr>
+        <p:cNvPr id="1" name=""/>
+        <p:cNvGrpSpPr/>
+        <p:nvPr/>
+      </p:nvGrpSpPr>
+      <p:grpSpPr>
+        <a:xfrm>
+          <a:off x="0" y="0"/>
+          <a:ext cx="0" cy="0"/>
+          <a:chOff x="0" y="0"/>
+          <a:chExt cx="0" cy="0"/>
+        </a:xfrm>
+      </p:grpSpPr>
+      <p:sp>
+        <p:nvSpPr>
+          <p:cNvPr id="2" name="Slide Image Placeholder 1"/>
+          <p:cNvSpPr>
+            <a:spLocks noGrp="1" noRot="1" noChangeAspect="1"/>
+          </p:cNvSpPr>
+          <p:nvPr>
+            <p:ph type="sldImg"/>
+          </p:nvPr>
+        </p:nvSpPr>
+        <p:spPr/>
+      </p:sp>
+      <p:sp>
+        <p:nvSpPr>
+          <p:cNvPr id="3" name="Notes Placeholder 2"/>
+          <p:cNvSpPr>
+            <a:spLocks noGrp="1"/>
+          </p:cNvSpPr>
+          <p:nvPr>
+            <p:ph type="body" idx="1"/>
+          </p:nvPr>
+        </p:nvSpPr>
+        <p:spPr/>
+        <p:txBody>
+          <a:bodyPr/>
+          <a:lstStyle/>
+          <a:p>
+            <a:r>
+              <a:rPr lang="en-GB" dirty="0"/>
+              <a:t>Personal favourite approach</a:t>
+            </a:r>
+          </a:p>
+        </p:txBody>
+      </p:sp>
+      <p:sp>
+        <p:nvSpPr>
+          <p:cNvPr id="4" name="Slide Number Placeholder 3"/>
+          <p:cNvSpPr>
+            <a:spLocks noGrp="1"/>
+          </p:cNvSpPr>
+          <p:nvPr>
+            <p:ph type="sldNum" sz="quarter" idx="5"/>
+          </p:nvPr>
+        </p:nvSpPr>
+        <p:spPr/>
+        <p:txBody>
+          <a:bodyPr/>
+          <a:lstStyle/>
+          <a:p>
+            <a:pPr rtl="0"/>
+            <a:fld id="{A89C7E07-3C67-C64C-8DA0-0404F6303970}" type="slidenum">
+              <a:rPr lang="en-GB" noProof="0" smtClean="0"/>
+              <a:t>6</a:t>
+            </a:fld>
+            <a:endParaRPr lang="en-GB" noProof="0"/>
+          </a:p>
+        </p:txBody>
+      </p:sp>
+    </p:spTree>
+    <p:extLst>
+      <p:ext uri="{BB962C8B-B14F-4D97-AF65-F5344CB8AC3E}">
+        <p14:creationId xmlns:p14="http://schemas.microsoft.com/office/powerpoint/2010/main" val="4023577584"/>
+      </p:ext>
+    </p:extLst>
+  </p:cSld>
+  <p:clrMapOvr>
+    <a:masterClrMapping/>
+  </p:clrMapOvr>
+</p:notes>
+</file>
+
+<file path=ppt/notesSlides/notesSlide6.xml><?xml version="1.0" encoding="utf-8"?>
+<p:notes xmlns:a="http://schemas.openxmlformats.org/drawingml/2006/main" xmlns:r="http://schemas.openxmlformats.org/officeDocument/2006/relationships" xmlns:p="http://schemas.openxmlformats.org/presentationml/2006/main">
+  <p:cSld>
+    <p:spTree>
+      <p:nvGrpSpPr>
+        <p:cNvPr id="1" name=""/>
+        <p:cNvGrpSpPr/>
+        <p:nvPr/>
+      </p:nvGrpSpPr>
+      <p:grpSpPr>
+        <a:xfrm>
+          <a:off x="0" y="0"/>
+          <a:ext cx="0" cy="0"/>
+          <a:chOff x="0" y="0"/>
+          <a:chExt cx="0" cy="0"/>
+        </a:xfrm>
+      </p:grpSpPr>
+      <p:sp>
+        <p:nvSpPr>
+          <p:cNvPr id="2" name="Slide Image Placeholder 1"/>
+          <p:cNvSpPr>
+            <a:spLocks noGrp="1" noRot="1" noChangeAspect="1"/>
+          </p:cNvSpPr>
+          <p:nvPr>
+            <p:ph type="sldImg"/>
+          </p:nvPr>
+        </p:nvSpPr>
+        <p:spPr/>
+      </p:sp>
+      <p:sp>
+        <p:nvSpPr>
+          <p:cNvPr id="3" name="Notes Placeholder 2"/>
+          <p:cNvSpPr>
+            <a:spLocks noGrp="1"/>
+          </p:cNvSpPr>
+          <p:nvPr>
+            <p:ph type="body" idx="1"/>
+          </p:nvPr>
+        </p:nvSpPr>
+        <p:spPr/>
+        <p:txBody>
+          <a:bodyPr/>
+          <a:lstStyle/>
+          <a:p>
+            <a:endParaRPr lang="en-GB" dirty="0"/>
+          </a:p>
+        </p:txBody>
+      </p:sp>
+      <p:sp>
+        <p:nvSpPr>
+          <p:cNvPr id="4" name="Slide Number Placeholder 3"/>
+          <p:cNvSpPr>
+            <a:spLocks noGrp="1"/>
+          </p:cNvSpPr>
+          <p:nvPr>
+            <p:ph type="sldNum" sz="quarter" idx="5"/>
+          </p:nvPr>
+        </p:nvSpPr>
+        <p:spPr/>
+        <p:txBody>
+          <a:bodyPr/>
+          <a:lstStyle/>
+          <a:p>
+            <a:pPr rtl="0"/>
+            <a:fld id="{A89C7E07-3C67-C64C-8DA0-0404F6303970}" type="slidenum">
+              <a:rPr lang="en-GB" noProof="0" smtClean="0"/>
+              <a:t>7</a:t>
+            </a:fld>
+            <a:endParaRPr lang="en-GB" noProof="0"/>
+          </a:p>
+        </p:txBody>
+      </p:sp>
+    </p:spTree>
+    <p:extLst>
+      <p:ext uri="{BB962C8B-B14F-4D97-AF65-F5344CB8AC3E}">
+        <p14:creationId xmlns:p14="http://schemas.microsoft.com/office/powerpoint/2010/main" val="3793363452"/>
+      </p:ext>
+    </p:extLst>
+  </p:cSld>
+  <p:clrMapOvr>
+    <a:masterClrMapping/>
+  </p:clrMapOvr>
+</p:notes>
+</file>
+
+<file path=ppt/notesSlides/notesSlide7.xml><?xml version="1.0" encoding="utf-8"?>
+<p:notes xmlns:a="http://schemas.openxmlformats.org/drawingml/2006/main" xmlns:r="http://schemas.openxmlformats.org/officeDocument/2006/relationships" xmlns:p="http://schemas.openxmlformats.org/presentationml/2006/main">
+  <p:cSld>
+    <p:spTree>
+      <p:nvGrpSpPr>
+        <p:cNvPr id="1" name=""/>
+        <p:cNvGrpSpPr/>
+        <p:nvPr/>
+      </p:nvGrpSpPr>
+      <p:grpSpPr>
+        <a:xfrm>
+          <a:off x="0" y="0"/>
+          <a:ext cx="0" cy="0"/>
+          <a:chOff x="0" y="0"/>
+          <a:chExt cx="0" cy="0"/>
+        </a:xfrm>
+      </p:grpSpPr>
+      <p:sp>
+        <p:nvSpPr>
+          <p:cNvPr id="2" name="Slide Image Placeholder 1"/>
+          <p:cNvSpPr>
+            <a:spLocks noGrp="1" noRot="1" noChangeAspect="1"/>
+          </p:cNvSpPr>
+          <p:nvPr>
+            <p:ph type="sldImg"/>
+          </p:nvPr>
+        </p:nvSpPr>
+        <p:spPr/>
+      </p:sp>
+      <p:sp>
+        <p:nvSpPr>
+          <p:cNvPr id="3" name="Notes Placeholder 2"/>
+          <p:cNvSpPr>
+            <a:spLocks noGrp="1"/>
+          </p:cNvSpPr>
+          <p:nvPr>
+            <p:ph type="body" idx="1"/>
+          </p:nvPr>
+        </p:nvSpPr>
+        <p:spPr/>
+        <p:txBody>
+          <a:bodyPr/>
+          <a:lstStyle/>
+          <a:p>
+            <a:pPr marL="0" marR="0" lvl="0" indent="0" algn="l" defTabSz="914400" rtl="0" eaLnBrk="1" fontAlgn="auto" latinLnBrk="0" hangingPunct="1">
+              <a:lnSpc>
+                <a:spcPct val="100000"/>
+              </a:lnSpc>
+              <a:spcBef>
+                <a:spcPts val="0"/>
+              </a:spcBef>
+              <a:spcAft>
+                <a:spcPts val="0"/>
+              </a:spcAft>
+              <a:buClrTx/>
+              <a:buSzTx/>
+              <a:buFontTx/>
+              <a:buNone/>
+              <a:tabLst/>
+              <a:defRPr/>
+            </a:pPr>
+            <a:r>
+              <a:rPr lang="en-GB" dirty="0"/>
+              <a:t>Team safety can be improved using the 1 – 5 anonymous scoring system before the start of ceremonies. The number 5 represents high team safety the number 1 represents low team safety. Meetings get cancelled on 1 or 2s and considerations for how the team improves team safety need to be considered. If this happens consistently a code freeze needs to be considered.</a:t>
+            </a:r>
+          </a:p>
+        </p:txBody>
+      </p:sp>
+      <p:sp>
+        <p:nvSpPr>
+          <p:cNvPr id="4" name="Slide Number Placeholder 3"/>
+          <p:cNvSpPr>
+            <a:spLocks noGrp="1"/>
+          </p:cNvSpPr>
+          <p:nvPr>
+            <p:ph type="sldNum" sz="quarter" idx="5"/>
+          </p:nvPr>
+        </p:nvSpPr>
+        <p:spPr/>
+        <p:txBody>
+          <a:bodyPr/>
+          <a:lstStyle/>
+          <a:p>
+            <a:pPr rtl="0"/>
+            <a:fld id="{A89C7E07-3C67-C64C-8DA0-0404F6303970}" type="slidenum">
+              <a:rPr lang="en-GB" noProof="0" smtClean="0"/>
+              <a:t>9</a:t>
+            </a:fld>
+            <a:endParaRPr lang="en-GB" noProof="0"/>
+          </a:p>
+        </p:txBody>
+      </p:sp>
+    </p:spTree>
+    <p:extLst>
+      <p:ext uri="{BB962C8B-B14F-4D97-AF65-F5344CB8AC3E}">
+        <p14:creationId xmlns:p14="http://schemas.microsoft.com/office/powerpoint/2010/main" val="3742028667"/>
+      </p:ext>
+    </p:extLst>
+  </p:cSld>
+  <p:clrMapOvr>
+    <a:masterClrMapping/>
+  </p:clrMapOvr>
+</p:notes>
+</file>
+
 <file path=ppt/slideLayouts/slideLayout1.xml><?xml version="1.0" encoding="utf-8"?>
 <p:sldLayout xmlns:a="http://schemas.openxmlformats.org/drawingml/2006/main" xmlns:r="http://schemas.openxmlformats.org/officeDocument/2006/relationships" xmlns:p="http://schemas.openxmlformats.org/presentationml/2006/main" preserve="1" userDrawn="1">
   <p:cSld name="Title">
@@ -2217,7 +2581,7 @@
               <a:rPr lang="en-GB" noProof="0" smtClean="0">
                 <a:latin typeface="+mn-lt"/>
               </a:rPr>
-              <a:t>1 February, 2024</a:t>
+              <a:t>9 February, 2024</a:t>
             </a:fld>
             <a:endParaRPr lang="en-GB" noProof="0" dirty="0">
               <a:latin typeface="+mn-lt"/>
@@ -3353,7 +3717,7 @@
               <a:rPr lang="en-GB" noProof="0" smtClean="0">
                 <a:latin typeface="+mn-lt"/>
               </a:rPr>
-              <a:t>1 February, 2024</a:t>
+              <a:t>9 February, 2024</a:t>
             </a:fld>
             <a:endParaRPr lang="en-GB" noProof="0" dirty="0">
               <a:latin typeface="+mn-lt"/>
@@ -4488,7 +4852,7 @@
               <a:rPr lang="en-GB" noProof="0" smtClean="0">
                 <a:latin typeface="+mn-lt"/>
               </a:rPr>
-              <a:t>1 February, 2024</a:t>
+              <a:t>9 February, 2024</a:t>
             </a:fld>
             <a:endParaRPr lang="en-GB" noProof="0" dirty="0">
               <a:latin typeface="+mn-lt"/>
@@ -6800,7 +7164,7 @@
               <a:rPr lang="en-GB" noProof="0" smtClean="0">
                 <a:latin typeface="+mn-lt"/>
               </a:rPr>
-              <a:t>1 February, 2024</a:t>
+              <a:t>9 February, 2024</a:t>
             </a:fld>
             <a:endParaRPr lang="en-GB" noProof="0" dirty="0">
               <a:latin typeface="+mn-lt"/>
@@ -7442,7 +7806,7 @@
               <a:rPr lang="en-GB" noProof="0" smtClean="0">
                 <a:latin typeface="+mn-lt"/>
               </a:rPr>
-              <a:t>1 February, 2024</a:t>
+              <a:t>9 February, 2024</a:t>
             </a:fld>
             <a:endParaRPr lang="en-GB" noProof="0" dirty="0">
               <a:latin typeface="+mn-lt"/>
@@ -8221,7 +8585,7 @@
               <a:rPr lang="en-GB" noProof="0" smtClean="0">
                 <a:latin typeface="+mn-lt"/>
               </a:rPr>
-              <a:t>1 February, 2024</a:t>
+              <a:t>9 February, 2024</a:t>
             </a:fld>
             <a:endParaRPr lang="en-GB" noProof="0">
               <a:latin typeface="+mn-lt"/>
@@ -8491,7 +8855,7 @@
               <a:rPr lang="en-GB" noProof="0" smtClean="0">
                 <a:latin typeface="+mn-lt"/>
               </a:rPr>
-              <a:t>1 February, 2024</a:t>
+              <a:t>9 February, 2024</a:t>
             </a:fld>
             <a:endParaRPr lang="en-GB" noProof="0">
               <a:latin typeface="+mn-lt"/>
@@ -11441,7 +11805,7 @@
               <a:rPr lang="en-GB" noProof="0" smtClean="0">
                 <a:latin typeface="+mn-lt"/>
               </a:rPr>
-              <a:t>1 February, 2024</a:t>
+              <a:t>9 February, 2024</a:t>
             </a:fld>
             <a:endParaRPr lang="en-GB" noProof="0" dirty="0">
               <a:latin typeface="+mn-lt"/>
@@ -12619,7 +12983,7 @@
               <a:rPr lang="en-GB" noProof="0" smtClean="0">
                 <a:latin typeface="+mn-lt"/>
               </a:rPr>
-              <a:t>1 February, 2024</a:t>
+              <a:t>9 February, 2024</a:t>
             </a:fld>
             <a:endParaRPr lang="en-GB" noProof="0">
               <a:latin typeface="+mn-lt"/>
@@ -12939,7 +13303,7 @@
               <a:rPr lang="en-GB" noProof="0" smtClean="0">
                 <a:latin typeface="+mn-lt"/>
               </a:rPr>
-              <a:t>1 February, 2024</a:t>
+              <a:t>9 February, 2024</a:t>
             </a:fld>
             <a:endParaRPr lang="en-GB" noProof="0">
               <a:latin typeface="+mn-lt"/>
@@ -13608,6 +13972,308 @@
   <p:cSld>
     <p:spTree>
       <p:nvGrpSpPr>
+        <p:cNvPr id="1" name="">
+          <a:extLst>
+            <a:ext uri="{FF2B5EF4-FFF2-40B4-BE49-F238E27FC236}">
+              <a16:creationId xmlns:a16="http://schemas.microsoft.com/office/drawing/2014/main" id="{F3C34150-DD4D-D382-FC65-997DCB8CA340}"/>
+            </a:ext>
+          </a:extLst>
+        </p:cNvPr>
+        <p:cNvGrpSpPr/>
+        <p:nvPr/>
+      </p:nvGrpSpPr>
+      <p:grpSpPr>
+        <a:xfrm>
+          <a:off x="0" y="0"/>
+          <a:ext cx="0" cy="0"/>
+          <a:chOff x="0" y="0"/>
+          <a:chExt cx="0" cy="0"/>
+        </a:xfrm>
+      </p:grpSpPr>
+      <p:sp>
+        <p:nvSpPr>
+          <p:cNvPr id="2" name="Title 1">
+            <a:extLst>
+              <a:ext uri="{FF2B5EF4-FFF2-40B4-BE49-F238E27FC236}">
+                <a16:creationId xmlns:a16="http://schemas.microsoft.com/office/drawing/2014/main" id="{45065998-638D-1BEA-F6AC-1B5115C6A691}"/>
+              </a:ext>
+            </a:extLst>
+          </p:cNvPr>
+          <p:cNvSpPr>
+            <a:spLocks noGrp="1"/>
+          </p:cNvSpPr>
+          <p:nvPr>
+            <p:ph type="title"/>
+          </p:nvPr>
+        </p:nvSpPr>
+        <p:spPr/>
+        <p:txBody>
+          <a:bodyPr/>
+          <a:lstStyle/>
+          <a:p>
+            <a:r>
+              <a:rPr lang="en-GB" dirty="0"/>
+              <a:t>Drawbacks</a:t>
+            </a:r>
+          </a:p>
+        </p:txBody>
+      </p:sp>
+      <p:sp>
+        <p:nvSpPr>
+          <p:cNvPr id="3" name="Text Placeholder 2">
+            <a:extLst>
+              <a:ext uri="{FF2B5EF4-FFF2-40B4-BE49-F238E27FC236}">
+                <a16:creationId xmlns:a16="http://schemas.microsoft.com/office/drawing/2014/main" id="{FDB080AD-5A25-5989-6E6B-30A24B850C6F}"/>
+              </a:ext>
+            </a:extLst>
+          </p:cNvPr>
+          <p:cNvSpPr>
+            <a:spLocks noGrp="1"/>
+          </p:cNvSpPr>
+          <p:nvPr>
+            <p:ph type="body" sz="quarter" idx="10"/>
+          </p:nvPr>
+        </p:nvSpPr>
+        <p:spPr>
+          <a:xfrm>
+            <a:off x="964023" y="2221896"/>
+            <a:ext cx="9795713" cy="4161148"/>
+          </a:xfrm>
+        </p:spPr>
+        <p:txBody>
+          <a:bodyPr/>
+          <a:lstStyle/>
+          <a:p>
+            <a:pPr marL="0" marR="0" lvl="0" indent="0" algn="l" defTabSz="914400" rtl="0" eaLnBrk="1" fontAlgn="auto" latinLnBrk="0" hangingPunct="1">
+              <a:lnSpc>
+                <a:spcPct val="100000"/>
+              </a:lnSpc>
+              <a:spcBef>
+                <a:spcPts val="400"/>
+              </a:spcBef>
+              <a:spcAft>
+                <a:spcPts val="0"/>
+              </a:spcAft>
+              <a:buClrTx/>
+              <a:buSzTx/>
+              <a:buFont typeface="Arial" panose="020B0604020202020204" pitchFamily="34" charset="0"/>
+              <a:buNone/>
+              <a:tabLst/>
+              <a:defRPr/>
+            </a:pPr>
+            <a:r>
+              <a:rPr kumimoji="0" lang="en-GB" sz="1600" b="0" i="0" u="none" strike="noStrike" kern="1200" cap="none" spc="0" normalizeH="0" baseline="0" noProof="0" dirty="0">
+                <a:ln>
+                  <a:noFill/>
+                </a:ln>
+                <a:solidFill>
+                  <a:srgbClr val="7CA655"/>
+                </a:solidFill>
+                <a:effectLst/>
+                <a:uLnTx/>
+                <a:uFillTx/>
+                <a:latin typeface="Franklin Gothic Demi"/>
+                <a:ea typeface="+mn-ea"/>
+                <a:cs typeface="+mn-cs"/>
+              </a:rPr>
+              <a:t>Unproductive Design Debates</a:t>
+            </a:r>
+          </a:p>
+          <a:p>
+            <a:pPr marL="0" marR="0" lvl="0" indent="0" algn="l" defTabSz="914400" rtl="0" eaLnBrk="1" fontAlgn="auto" latinLnBrk="0" hangingPunct="1">
+              <a:lnSpc>
+                <a:spcPct val="100000"/>
+              </a:lnSpc>
+              <a:spcBef>
+                <a:spcPts val="400"/>
+              </a:spcBef>
+              <a:spcAft>
+                <a:spcPts val="0"/>
+              </a:spcAft>
+              <a:buClrTx/>
+              <a:buSzTx/>
+              <a:buFont typeface="Arial" panose="020B0604020202020204" pitchFamily="34" charset="0"/>
+              <a:buNone/>
+              <a:tabLst/>
+              <a:defRPr/>
+            </a:pPr>
+            <a:r>
+              <a:rPr lang="en-GB" dirty="0"/>
+              <a:t>Discovery is at the heart of pair programming and during this discovery process roadblocks will be hit. Between the driver and navigator roles it is important to stop, think and discuss the next potential move for the pair in the design direction.</a:t>
+            </a:r>
+          </a:p>
+          <a:p>
+            <a:pPr marL="0" marR="0" lvl="0" indent="0" algn="l" defTabSz="914400" rtl="0" eaLnBrk="1" fontAlgn="auto" latinLnBrk="0" hangingPunct="1">
+              <a:lnSpc>
+                <a:spcPct val="100000"/>
+              </a:lnSpc>
+              <a:spcBef>
+                <a:spcPts val="400"/>
+              </a:spcBef>
+              <a:spcAft>
+                <a:spcPts val="0"/>
+              </a:spcAft>
+              <a:buClrTx/>
+              <a:buSzTx/>
+              <a:buFont typeface="Arial" panose="020B0604020202020204" pitchFamily="34" charset="0"/>
+              <a:buNone/>
+              <a:tabLst/>
+              <a:defRPr/>
+            </a:pPr>
+            <a:r>
+              <a:rPr lang="en-GB" dirty="0"/>
+              <a:t>This can lead to endless unproductive debate. Here are some strategies to consider</a:t>
+            </a:r>
+          </a:p>
+          <a:p>
+            <a:pPr marL="285750" marR="0" lvl="0" indent="-285750" algn="l" defTabSz="914400" rtl="0" eaLnBrk="1" fontAlgn="auto" latinLnBrk="0" hangingPunct="1">
+              <a:lnSpc>
+                <a:spcPct val="100000"/>
+              </a:lnSpc>
+              <a:spcBef>
+                <a:spcPts val="400"/>
+              </a:spcBef>
+              <a:spcAft>
+                <a:spcPts val="0"/>
+              </a:spcAft>
+              <a:buClrTx/>
+              <a:buSzTx/>
+              <a:buFont typeface="Arial" panose="020B0604020202020204" pitchFamily="34" charset="0"/>
+              <a:buChar char="•"/>
+              <a:tabLst/>
+              <a:defRPr/>
+            </a:pPr>
+            <a:r>
+              <a:rPr lang="en-GB" dirty="0"/>
+              <a:t>Bring in a temporary third member for a third opinion on potential solutions</a:t>
+            </a:r>
+          </a:p>
+          <a:p>
+            <a:pPr marL="285750" marR="0" lvl="0" indent="-285750" algn="l" defTabSz="914400" rtl="0" eaLnBrk="1" fontAlgn="auto" latinLnBrk="0" hangingPunct="1">
+              <a:lnSpc>
+                <a:spcPct val="100000"/>
+              </a:lnSpc>
+              <a:spcBef>
+                <a:spcPts val="400"/>
+              </a:spcBef>
+              <a:spcAft>
+                <a:spcPts val="0"/>
+              </a:spcAft>
+              <a:buClrTx/>
+              <a:buSzTx/>
+              <a:buFont typeface="Arial" panose="020B0604020202020204" pitchFamily="34" charset="0"/>
+              <a:buChar char="•"/>
+              <a:tabLst/>
+              <a:defRPr/>
+            </a:pPr>
+            <a:r>
+              <a:rPr lang="en-GB" dirty="0"/>
+              <a:t>Organise a mob workshop to get a team opinion on potential solutions</a:t>
+            </a:r>
+          </a:p>
+          <a:p>
+            <a:pPr marL="285750" marR="0" lvl="0" indent="-285750" algn="l" defTabSz="914400" rtl="0" eaLnBrk="1" fontAlgn="auto" latinLnBrk="0" hangingPunct="1">
+              <a:lnSpc>
+                <a:spcPct val="100000"/>
+              </a:lnSpc>
+              <a:spcBef>
+                <a:spcPts val="400"/>
+              </a:spcBef>
+              <a:spcAft>
+                <a:spcPts val="0"/>
+              </a:spcAft>
+              <a:buClrTx/>
+              <a:buSzTx/>
+              <a:buFont typeface="Arial" panose="020B0604020202020204" pitchFamily="34" charset="0"/>
+              <a:buChar char="•"/>
+              <a:tabLst/>
+              <a:defRPr/>
+            </a:pPr>
+            <a:r>
+              <a:rPr lang="en-GB" dirty="0"/>
+              <a:t>Agree to disagree but remain open to each other's ideas. </a:t>
+            </a:r>
+          </a:p>
+          <a:p>
+            <a:pPr marL="971550" lvl="1" indent="-285750">
+              <a:lnSpc>
+                <a:spcPct val="100000"/>
+              </a:lnSpc>
+              <a:spcBef>
+                <a:spcPts val="400"/>
+              </a:spcBef>
+              <a:defRPr/>
+            </a:pPr>
+            <a:r>
+              <a:rPr lang="en-GB" sz="1600" dirty="0"/>
+              <a:t>Commit at the point of the disagreement</a:t>
+            </a:r>
+          </a:p>
+          <a:p>
+            <a:pPr marL="971550" lvl="1" indent="-285750">
+              <a:lnSpc>
+                <a:spcPct val="100000"/>
+              </a:lnSpc>
+              <a:spcBef>
+                <a:spcPts val="400"/>
+              </a:spcBef>
+              <a:defRPr/>
+            </a:pPr>
+            <a:r>
+              <a:rPr lang="en-GB" sz="1600" dirty="0"/>
+              <a:t>Branch off try person A’s solution if it works continue</a:t>
+            </a:r>
+          </a:p>
+          <a:p>
+            <a:pPr marL="971550" lvl="1" indent="-285750">
+              <a:lnSpc>
+                <a:spcPct val="100000"/>
+              </a:lnSpc>
+              <a:spcBef>
+                <a:spcPts val="400"/>
+              </a:spcBef>
+              <a:defRPr/>
+            </a:pPr>
+            <a:r>
+              <a:rPr lang="en-GB" sz="1600" dirty="0"/>
+              <a:t>If person A’s solution didn’t work reset to the commit and try person B’s solution</a:t>
+            </a:r>
+          </a:p>
+          <a:p>
+            <a:pPr>
+              <a:lnSpc>
+                <a:spcPct val="100000"/>
+              </a:lnSpc>
+              <a:spcBef>
+                <a:spcPts val="400"/>
+              </a:spcBef>
+              <a:defRPr/>
+            </a:pPr>
+            <a:r>
+              <a:rPr lang="en-GB" dirty="0"/>
+              <a:t>This will help ensure that the pair can continue and in future the two team members can still work together. Importantly don’t make the debates personal.</a:t>
+            </a:r>
+          </a:p>
+        </p:txBody>
+      </p:sp>
+    </p:spTree>
+    <p:extLst>
+      <p:ext uri="{BB962C8B-B14F-4D97-AF65-F5344CB8AC3E}">
+        <p14:creationId xmlns:p14="http://schemas.microsoft.com/office/powerpoint/2010/main" val="2709767421"/>
+      </p:ext>
+    </p:extLst>
+  </p:cSld>
+  <p:clrMapOvr>
+    <a:masterClrMapping/>
+  </p:clrMapOvr>
+</p:sld>
+</file>
+
+<file path=ppt/slides/slide11.xml><?xml version="1.0" encoding="utf-8"?>
+<p:sld xmlns:a="http://schemas.openxmlformats.org/drawingml/2006/main" xmlns:r="http://schemas.openxmlformats.org/officeDocument/2006/relationships" xmlns:p="http://schemas.openxmlformats.org/presentationml/2006/main">
+  <p:cSld>
+    <p:spTree>
+      <p:nvGrpSpPr>
         <p:cNvPr id="1" name=""/>
         <p:cNvGrpSpPr/>
         <p:nvPr/>
@@ -14146,7 +14812,7 @@
             <a:pPr rtl="0"/>
             <a:r>
               <a:rPr lang="en-GB" dirty="0"/>
-              <a:t>Pair programming is the process of a pair of programmers alternating between a “driver” and “navigator” roles with the aim of writing code of value for a business need.</a:t>
+              <a:t>Pair programming is a process of discovery and problem-solving working towards a solution for a valuable business need whilst writing high quality code.</a:t>
             </a:r>
           </a:p>
         </p:txBody>
@@ -14828,7 +15494,7 @@
             </a:pPr>
             <a:r>
               <a:rPr lang="en-GB" dirty="0"/>
-              <a:t>One of the main benefits of pair programming is this idea of a “live code review”. Whether pair programming eliminates the needs for code review itself is another discussion. However, what I can attest to is the notion of “nowhere to hide” a competent pair will pick up on corner cutting as well as the best approaches to take with a given implementation. Sometimes the experience of the pair is limited so a “mob” workshop might need to be considered.</a:t>
+              <a:t>One of the main benefits of pair programming is this idea of a “live code review”. Whether pairing eliminates the need for code reviews is another discussion. Decisions are made “Just In Time” through pairing when problem solving. Rather than this being an individual process a consensus is reached for Path A/ B/ C in the design direction. It can also lead to a “nowhere to hide” culture when it comes to code quality in a competent pair; this leads to a lack of corners being cut in the design process.</a:t>
             </a:r>
           </a:p>
           <a:p>
@@ -14845,7 +15511,7 @@
           <a:p>
             <a:r>
               <a:rPr lang="en-GB" dirty="0"/>
-              <a:t>Pair programming provides an excellent opportunity to learn from one another. Experienced developers can learn fresh approaches, junior developers have the potential of learning the ropes faster. Pairing is also good for learning new areas of a codebase and its domain. This breaks down knowledge silos and single points of failure within the team E.G the resident compounds expert is off sick today/ leaves the company when critical delivery is due.</a:t>
+              <a:t>Pair programming provides an excellent opportunity to learn from one another. Experienced developers can learn fresh approaches, junior developers have the potential of learning the ropes faster. Pairing is also good for learning new areas of a codebase and its domain. This breaks down knowledge silos and single points of failure within the team.</a:t>
             </a:r>
             <a:endParaRPr lang="en-GB" dirty="0">
               <a:solidFill>
@@ -14869,7 +15535,15 @@
           <a:p>
             <a:r>
               <a:rPr lang="en-GB" dirty="0"/>
-              <a:t>Each developer brings their own perspective, approach and point of view to the main job of software development which is problem solving. These unique approaches can create friction within especially new teams if left unchecked. Pair programming confronts this head on and forces co-operation and understanding to different ways of approaching/ solving problems as well as ways of working.</a:t>
+              <a:t>Each developer brings their own perspective, approach and point of view to the main job of software development which is problem solving. These unique approaches can create friction within especially new teams if left unchecked. Pair programming confronts this head on and forces co-operation and understanding to different ways of approaching/ solving problems as well as ways of working. “</a:t>
+            </a:r>
+            <a:r>
+              <a:rPr lang="en-GB" dirty="0" err="1"/>
+              <a:t>Speedback</a:t>
+            </a:r>
+            <a:r>
+              <a:rPr lang="en-GB" dirty="0"/>
+              <a:t>” is a good means of dealing with grievances between team members during the initial adoption of pairing.</a:t>
             </a:r>
           </a:p>
         </p:txBody>
@@ -14920,14 +15594,21 @@
             <p:ph type="title"/>
           </p:nvPr>
         </p:nvSpPr>
-        <p:spPr/>
+        <p:spPr>
+          <a:xfrm>
+            <a:off x="964023" y="879063"/>
+            <a:ext cx="8100078" cy="610863"/>
+          </a:xfrm>
+        </p:spPr>
         <p:txBody>
-          <a:bodyPr/>
+          <a:bodyPr>
+            <a:normAutofit/>
+          </a:bodyPr>
           <a:lstStyle/>
           <a:p>
             <a:r>
               <a:rPr lang="en-GB" dirty="0"/>
-              <a:t>Drawbacks</a:t>
+              <a:t>Drawbacks (Enforced)</a:t>
             </a:r>
           </a:p>
         </p:txBody>
@@ -14990,11 +15671,27 @@
                 <a:ea typeface="+mn-ea"/>
                 <a:cs typeface="+mn-cs"/>
               </a:rPr>
-              <a:t>Inflexible Work Schedule</a:t>
+              <a:t>Inflexible Work Schedule </a:t>
             </a:r>
-            <a:endParaRPr lang="en-GB" dirty="0"/>
-          </a:p>
-          <a:p>
+          </a:p>
+          <a:p>
+            <a:pPr marL="0" marR="0" lvl="0" indent="0" algn="l" defTabSz="914400" rtl="0" eaLnBrk="1" fontAlgn="auto" latinLnBrk="0" hangingPunct="1">
+              <a:lnSpc>
+                <a:spcPct val="100000"/>
+              </a:lnSpc>
+              <a:spcBef>
+                <a:spcPts val="400"/>
+              </a:spcBef>
+              <a:spcAft>
+                <a:spcPts val="0"/>
+              </a:spcAft>
+              <a:buClrTx/>
+              <a:buSzTx/>
+              <a:buFont typeface="Arial" panose="020B0604020202020204" pitchFamily="34" charset="0"/>
+              <a:buNone/>
+              <a:tabLst/>
+              <a:defRPr/>
+            </a:pPr>
             <a:r>
               <a:rPr lang="en-GB" dirty="0"/>
               <a:t>One of the downsides to pair programming is it doesn’t promote any degree of flexibility in a working schedule. This creates difficulties with organising away from desk errands and other life responsibilities/ distractions that disrupt the pair when it is an enforced way of working.</a:t>
@@ -15016,31 +15713,45 @@
                 <a:ea typeface="+mn-ea"/>
                 <a:cs typeface="+mn-cs"/>
               </a:rPr>
-              <a:t>Differently Focused Developers</a:t>
+              <a:t>Trio + Pairing</a:t>
             </a:r>
-            <a:endParaRPr lang="en-GB" dirty="0">
-              <a:solidFill>
-                <a:srgbClr val="7CA655"/>
-              </a:solidFill>
-              <a:latin typeface="Franklin Gothic Demi"/>
-            </a:endParaRPr>
           </a:p>
           <a:p>
             <a:r>
               <a:rPr lang="en-GB" dirty="0"/>
-              <a:t>It is important to state people aren’t lazy. People can become differently focused on something that lacks responsibility (“laziness”) occurring from a sense of boredom from a lack of engagement in the important task.</a:t>
+              <a:t>When pairing extends to three or more developers the third developer’s role is undefined. The best usage I have seen for the third + role is to join a group temporarily to help settle a debate in design direction or to provide a third opinion in design direction. </a:t>
             </a:r>
           </a:p>
           <a:p>
             <a:r>
               <a:rPr lang="en-GB" dirty="0"/>
-              <a:t>Keeping this in mind, at best when the pair extends past a pair of programmers to become a “mob” (Not a mobbing workshop) you will get spectators that are passive to the problem-solving process who get bored and become waste to the development effort.</a:t>
+              <a:t>Past this however a third + developer in the pair often becomes a passive code quality spectator at best and at worst waste to the development effort.</a:t>
             </a:r>
+          </a:p>
+          <a:p>
+            <a:r>
+              <a:rPr kumimoji="0" lang="en-GB" sz="1600" b="0" i="0" u="none" strike="noStrike" kern="1200" cap="none" spc="0" normalizeH="0" baseline="0" noProof="0" dirty="0">
+                <a:ln>
+                  <a:noFill/>
+                </a:ln>
+                <a:solidFill>
+                  <a:srgbClr val="7CA655"/>
+                </a:solidFill>
+                <a:effectLst/>
+                <a:uLnTx/>
+                <a:uFillTx/>
+                <a:latin typeface="Franklin Gothic Demi"/>
+                <a:ea typeface="+mn-ea"/>
+                <a:cs typeface="+mn-cs"/>
+              </a:rPr>
+              <a:t>Tiredness</a:t>
+            </a:r>
+            <a:endParaRPr lang="en-GB" dirty="0"/>
           </a:p>
           <a:p>
             <a:r>
               <a:rPr lang="en-GB" dirty="0"/>
-              <a:t>The same occurs when the work is menial for the driver role. The navigator becomes a code quality spectator at  best and at worst waste to the development effort.</a:t>
+              <a:t>Pairing is a tiring way of working. Even with constructive approaches in the code discovery process there is still far more discussion and thought into design that would normally be more automated.</a:t>
             </a:r>
           </a:p>
         </p:txBody>
@@ -15167,26 +15878,22 @@
           <a:p>
             <a:r>
               <a:rPr lang="en-GB" dirty="0"/>
-              <a:t>In teams where trust is an issue pair programming can start to form some nasty restrictions around whom can pair with whom.</a:t>
+              <a:t>In teams where trust is an issue pair programming can start to form some nasty restrictions around whom can pair with whom. This team mindset forms out of trusted and untrusted individuals within a team extending to the pairing groups. </a:t>
             </a:r>
           </a:p>
           <a:p>
             <a:r>
               <a:rPr lang="en-GB" dirty="0"/>
-              <a:t>This team mindset forms out of trusted and untrusted individuals within a team. Certain team members or interactions between team members aren’t entrusted to get the work done/ to a high enough standard/ to a fast enough delivery.</a:t>
+              <a:t>Gatekeeping who can and can’t pair isolates individuals and pairs, creates distrust within the team and is ultimately unproductive to the goal of delivery. Untrusted pairs/ individuals is a team issue and the support for the individual/ pair needs to be provided (they were hired for a reason) </a:t>
             </a:r>
-          </a:p>
-          <a:p>
+            <a:r>
+              <a:rPr lang="en-GB" dirty="0" err="1"/>
+              <a:t>e.g</a:t>
+            </a:r>
             <a:r>
               <a:rPr lang="en-GB" dirty="0"/>
-              <a:t>Gatekeeping processes isn’t healthy for any team and steps should be taken to work out the issues with why certain pairs are less effective. This could involve explaining the importance of the delivery, addressing developer knowledge gaps, training on team agreed coding standards and so on.</a:t>
+              <a:t> coding standards training etc.</a:t>
             </a:r>
-            <a:endParaRPr lang="en-GB" dirty="0">
-              <a:solidFill>
-                <a:srgbClr val="7CA655"/>
-              </a:solidFill>
-              <a:latin typeface="Franklin Gothic Demi"/>
-            </a:endParaRPr>
           </a:p>
           <a:p>
             <a:r>
@@ -15210,7 +15917,7 @@
           <a:p>
             <a:r>
               <a:rPr lang="en-GB" dirty="0"/>
-              <a:t>In a similar vein to the previous point in such a working environment and even less pressured environments comfortable pairing groups of colleagues that get along will occur. It is important when this pattern starts to form to address it to ensure the “mixing pot” approach to different culture and approaches to get the most out of the pair programming methodology.</a:t>
+              <a:t>Comfortable pairing groups of colleagues that get along will occur. It is important when this pattern starts to form to address it to ensure the “mixing pot” approach to different culture and approaches to get the most out of the pair programming methodology.</a:t>
             </a:r>
           </a:p>
         </p:txBody>
@@ -16020,15 +16727,6 @@
 </file>
 
 <file path=customXml/item1.xml><?xml version="1.0" encoding="utf-8"?>
-<?mso-contentType ?>
-<FormTemplates xmlns="http://schemas.microsoft.com/sharepoint/v3/contenttype/forms">
-  <Display>DocumentLibraryForm</Display>
-  <Edit>DocumentLibraryForm</Edit>
-  <New>DocumentLibraryForm</New>
-</FormTemplates>
-</file>
-
-<file path=customXml/item2.xml><?xml version="1.0" encoding="utf-8"?>
 <ct:contentTypeSchema xmlns:ct="http://schemas.microsoft.com/office/2006/metadata/contentType" xmlns:ma="http://schemas.microsoft.com/office/2006/metadata/properties/metaAttributes" ct:_="" ma:_="" ma:contentTypeName="Document" ma:contentTypeID="0x01010079F111ED35F8CC479449609E8A0923A6" ma:contentTypeVersion="12" ma:contentTypeDescription="Create a new document." ma:contentTypeScope="" ma:versionID="426e97fa315356fffbdcd9876fe988c2">
   <xsd:schema xmlns:xsd="http://www.w3.org/2001/XMLSchema" xmlns:xs="http://www.w3.org/2001/XMLSchema" xmlns:p="http://schemas.microsoft.com/office/2006/metadata/properties" xmlns:ns2="71af3243-3dd4-4a8d-8c0d-dd76da1f02a5" xmlns:ns3="16c05727-aa75-4e4a-9b5f-8a80a1165891" targetNamespace="http://schemas.microsoft.com/office/2006/metadata/properties" ma:root="true" ma:fieldsID="14b8f0def80e6d70ce3def20c90759ae" ns2:_="" ns3:_="">
     <xsd:import namespace="71af3243-3dd4-4a8d-8c0d-dd76da1f02a5"/>
@@ -16249,6 +16947,15 @@
 </ct:contentTypeSchema>
 </file>
 
+<file path=customXml/item2.xml><?xml version="1.0" encoding="utf-8"?>
+<?mso-contentType ?>
+<FormTemplates xmlns="http://schemas.microsoft.com/sharepoint/v3/contenttype/forms">
+  <Display>DocumentLibraryForm</Display>
+  <Edit>DocumentLibraryForm</Edit>
+  <New>DocumentLibraryForm</New>
+</FormTemplates>
+</file>
+
 <file path=customXml/item3.xml><?xml version="1.0" encoding="utf-8"?>
 <p:properties xmlns:p="http://schemas.microsoft.com/office/2006/metadata/properties" xmlns:xsi="http://www.w3.org/2001/XMLSchema-instance" xmlns:pc="http://schemas.microsoft.com/office/infopath/2007/PartnerControls">
   <documentManagement>
@@ -16259,14 +16966,6 @@
 </file>
 
 <file path=customXml/itemProps1.xml><?xml version="1.0" encoding="utf-8"?>
-<ds:datastoreItem xmlns:ds="http://schemas.openxmlformats.org/officeDocument/2006/customXml" ds:itemID="{1D20B6E4-879E-4E6C-BDE7-261540CD3765}">
-  <ds:schemaRefs>
-    <ds:schemaRef ds:uri="http://schemas.microsoft.com/sharepoint/v3/contenttype/forms"/>
-  </ds:schemaRefs>
-</ds:datastoreItem>
-</file>
-
-<file path=customXml/itemProps2.xml><?xml version="1.0" encoding="utf-8"?>
 <ds:datastoreItem xmlns:ds="http://schemas.openxmlformats.org/officeDocument/2006/customXml" ds:itemID="{94F21D10-BD83-491A-AAA6-945C2DB1EB01}">
   <ds:schemaRefs>
     <ds:schemaRef ds:uri="http://schemas.microsoft.com/office/2006/metadata/contentType"/>
@@ -16285,6 +16984,14 @@
 </ds:datastoreItem>
 </file>
 
+<file path=customXml/itemProps2.xml><?xml version="1.0" encoding="utf-8"?>
+<ds:datastoreItem xmlns:ds="http://schemas.openxmlformats.org/officeDocument/2006/customXml" ds:itemID="{1D20B6E4-879E-4E6C-BDE7-261540CD3765}">
+  <ds:schemaRefs>
+    <ds:schemaRef ds:uri="http://schemas.microsoft.com/sharepoint/v3/contenttype/forms"/>
+  </ds:schemaRefs>
+</ds:datastoreItem>
+</file>
+
 <file path=customXml/itemProps3.xml><?xml version="1.0" encoding="utf-8"?>
 <ds:datastoreItem xmlns:ds="http://schemas.openxmlformats.org/officeDocument/2006/customXml" ds:itemID="{09EC1AB0-9704-404D-B6D3-819D938AC55B}">
   <ds:schemaRefs>
